--- a/Documentatie/Sprint 4/sprint 4 presentation.pptx
+++ b/Documentatie/Sprint 4/sprint 4 presentation.pptx
@@ -5,7 +5,7 @@
     <p:sldMasterId id="2147483660" r:id="rId1"/>
   </p:sldMasterIdLst>
   <p:notesMasterIdLst>
-    <p:notesMasterId r:id="rId14"/>
+    <p:notesMasterId r:id="rId15"/>
   </p:notesMasterIdLst>
   <p:sldIdLst>
     <p:sldId id="256" r:id="rId2"/>
@@ -13,13 +13,14 @@
     <p:sldId id="263" r:id="rId4"/>
     <p:sldId id="258" r:id="rId5"/>
     <p:sldId id="265" r:id="rId6"/>
-    <p:sldId id="268" r:id="rId7"/>
-    <p:sldId id="267" r:id="rId8"/>
-    <p:sldId id="269" r:id="rId9"/>
-    <p:sldId id="270" r:id="rId10"/>
-    <p:sldId id="271" r:id="rId11"/>
-    <p:sldId id="272" r:id="rId12"/>
-    <p:sldId id="262" r:id="rId13"/>
+    <p:sldId id="267" r:id="rId7"/>
+    <p:sldId id="269" r:id="rId8"/>
+    <p:sldId id="271" r:id="rId9"/>
+    <p:sldId id="272" r:id="rId10"/>
+    <p:sldId id="274" r:id="rId11"/>
+    <p:sldId id="275" r:id="rId12"/>
+    <p:sldId id="276" r:id="rId13"/>
+    <p:sldId id="262" r:id="rId14"/>
   </p:sldIdLst>
   <p:sldSz cx="12192000" cy="6858000"/>
   <p:notesSz cx="6858000" cy="9144000"/>
@@ -208,7 +209,7 @@
           <a:p>
             <a:fld id="{D761E89D-5504-42F5-9347-D2CC114649F7}" type="datetimeFigureOut">
               <a:rPr lang="en-NL" smtClean="0"/>
-              <a:t>22/05/2023</a:t>
+              <a:t>01/06/2023</a:t>
             </a:fld>
             <a:endParaRPr lang="en-NL"/>
           </a:p>
@@ -647,7 +648,7 @@
           <a:p>
             <a:fld id="{D5951947-9447-48DA-9278-6987680B3251}" type="datetimeFigureOut">
               <a:rPr lang="en-NL" smtClean="0"/>
-              <a:t>22/05/2023</a:t>
+              <a:t>01/06/2023</a:t>
             </a:fld>
             <a:endParaRPr lang="en-NL"/>
           </a:p>
@@ -959,7 +960,7 @@
           <a:p>
             <a:fld id="{D5951947-9447-48DA-9278-6987680B3251}" type="datetimeFigureOut">
               <a:rPr lang="en-NL" smtClean="0"/>
-              <a:t>22/05/2023</a:t>
+              <a:t>01/06/2023</a:t>
             </a:fld>
             <a:endParaRPr lang="en-NL"/>
           </a:p>
@@ -1181,7 +1182,7 @@
           <a:p>
             <a:fld id="{D5951947-9447-48DA-9278-6987680B3251}" type="datetimeFigureOut">
               <a:rPr lang="en-NL" smtClean="0"/>
-              <a:t>22/05/2023</a:t>
+              <a:t>01/06/2023</a:t>
             </a:fld>
             <a:endParaRPr lang="en-NL"/>
           </a:p>
@@ -1472,7 +1473,7 @@
           <a:p>
             <a:fld id="{D5951947-9447-48DA-9278-6987680B3251}" type="datetimeFigureOut">
               <a:rPr lang="en-NL" smtClean="0"/>
-              <a:t>22/05/2023</a:t>
+              <a:t>01/06/2023</a:t>
             </a:fld>
             <a:endParaRPr lang="en-NL"/>
           </a:p>
@@ -1926,7 +1927,7 @@
           <a:p>
             <a:fld id="{D5951947-9447-48DA-9278-6987680B3251}" type="datetimeFigureOut">
               <a:rPr lang="en-NL" smtClean="0"/>
-              <a:t>22/05/2023</a:t>
+              <a:t>01/06/2023</a:t>
             </a:fld>
             <a:endParaRPr lang="en-NL"/>
           </a:p>
@@ -2502,7 +2503,7 @@
           <a:p>
             <a:fld id="{D5951947-9447-48DA-9278-6987680B3251}" type="datetimeFigureOut">
               <a:rPr lang="en-NL" smtClean="0"/>
-              <a:t>22/05/2023</a:t>
+              <a:t>01/06/2023</a:t>
             </a:fld>
             <a:endParaRPr lang="en-NL"/>
           </a:p>
@@ -3354,7 +3355,7 @@
           <a:p>
             <a:fld id="{D5951947-9447-48DA-9278-6987680B3251}" type="datetimeFigureOut">
               <a:rPr lang="en-NL" smtClean="0"/>
-              <a:t>22/05/2023</a:t>
+              <a:t>01/06/2023</a:t>
             </a:fld>
             <a:endParaRPr lang="en-NL"/>
           </a:p>
@@ -3559,7 +3560,7 @@
           <a:p>
             <a:fld id="{D5951947-9447-48DA-9278-6987680B3251}" type="datetimeFigureOut">
               <a:rPr lang="en-NL" smtClean="0"/>
-              <a:t>22/05/2023</a:t>
+              <a:t>01/06/2023</a:t>
             </a:fld>
             <a:endParaRPr lang="en-NL"/>
           </a:p>
@@ -3773,7 +3774,7 @@
           <a:p>
             <a:fld id="{D5951947-9447-48DA-9278-6987680B3251}" type="datetimeFigureOut">
               <a:rPr lang="en-NL" smtClean="0"/>
-              <a:t>22/05/2023</a:t>
+              <a:t>01/06/2023</a:t>
             </a:fld>
             <a:endParaRPr lang="en-NL"/>
           </a:p>
@@ -3978,7 +3979,7 @@
           <a:p>
             <a:fld id="{D5951947-9447-48DA-9278-6987680B3251}" type="datetimeFigureOut">
               <a:rPr lang="en-NL" smtClean="0"/>
-              <a:t>22/05/2023</a:t>
+              <a:t>01/06/2023</a:t>
             </a:fld>
             <a:endParaRPr lang="en-NL"/>
           </a:p>
@@ -4258,7 +4259,7 @@
           <a:p>
             <a:fld id="{D5951947-9447-48DA-9278-6987680B3251}" type="datetimeFigureOut">
               <a:rPr lang="en-NL" smtClean="0"/>
-              <a:t>22/05/2023</a:t>
+              <a:t>01/06/2023</a:t>
             </a:fld>
             <a:endParaRPr lang="en-NL"/>
           </a:p>
@@ -4525,7 +4526,7 @@
           <a:p>
             <a:fld id="{D5951947-9447-48DA-9278-6987680B3251}" type="datetimeFigureOut">
               <a:rPr lang="en-NL" smtClean="0"/>
-              <a:t>22/05/2023</a:t>
+              <a:t>01/06/2023</a:t>
             </a:fld>
             <a:endParaRPr lang="en-NL"/>
           </a:p>
@@ -4940,7 +4941,7 @@
           <a:p>
             <a:fld id="{D5951947-9447-48DA-9278-6987680B3251}" type="datetimeFigureOut">
               <a:rPr lang="en-NL" smtClean="0"/>
-              <a:t>22/05/2023</a:t>
+              <a:t>01/06/2023</a:t>
             </a:fld>
             <a:endParaRPr lang="en-NL"/>
           </a:p>
@@ -5088,7 +5089,7 @@
           <a:p>
             <a:fld id="{D5951947-9447-48DA-9278-6987680B3251}" type="datetimeFigureOut">
               <a:rPr lang="en-NL" smtClean="0"/>
-              <a:t>22/05/2023</a:t>
+              <a:t>01/06/2023</a:t>
             </a:fld>
             <a:endParaRPr lang="en-NL"/>
           </a:p>
@@ -5213,7 +5214,7 @@
           <a:p>
             <a:fld id="{D5951947-9447-48DA-9278-6987680B3251}" type="datetimeFigureOut">
               <a:rPr lang="en-NL" smtClean="0"/>
-              <a:t>22/05/2023</a:t>
+              <a:t>01/06/2023</a:t>
             </a:fld>
             <a:endParaRPr lang="en-NL"/>
           </a:p>
@@ -5492,7 +5493,7 @@
           <a:p>
             <a:fld id="{D5951947-9447-48DA-9278-6987680B3251}" type="datetimeFigureOut">
               <a:rPr lang="en-NL" smtClean="0"/>
-              <a:t>22/05/2023</a:t>
+              <a:t>01/06/2023</a:t>
             </a:fld>
             <a:endParaRPr lang="en-NL"/>
           </a:p>
@@ -5804,7 +5805,7 @@
           <a:p>
             <a:fld id="{D5951947-9447-48DA-9278-6987680B3251}" type="datetimeFigureOut">
               <a:rPr lang="en-NL" smtClean="0"/>
-              <a:t>22/05/2023</a:t>
+              <a:t>01/06/2023</a:t>
             </a:fld>
             <a:endParaRPr lang="en-NL"/>
           </a:p>
@@ -6057,7 +6058,7 @@
           <a:p>
             <a:fld id="{D5951947-9447-48DA-9278-6987680B3251}" type="datetimeFigureOut">
               <a:rPr lang="en-NL" smtClean="0"/>
-              <a:t>22/05/2023</a:t>
+              <a:t>01/06/2023</a:t>
             </a:fld>
             <a:endParaRPr lang="en-NL"/>
           </a:p>
@@ -6598,7 +6599,7 @@
           <p:cNvPr id="2" name="Title 1">
             <a:extLst>
               <a:ext uri="{FF2B5EF4-FFF2-40B4-BE49-F238E27FC236}">
-                <a16:creationId xmlns:a16="http://schemas.microsoft.com/office/drawing/2014/main" id="{D50E6F44-AF7E-52D3-C258-E58B7EBC75B9}"/>
+                <a16:creationId xmlns:a16="http://schemas.microsoft.com/office/drawing/2014/main" id="{2BB2FE88-E9CF-D3B8-9F2B-A24F4A8FD9EB}"/>
               </a:ext>
             </a:extLst>
           </p:cNvPr>
@@ -6611,8 +6612,8 @@
         </p:nvSpPr>
         <p:spPr>
           <a:xfrm>
-            <a:off x="913775" y="618518"/>
-            <a:ext cx="10364451" cy="1225430"/>
+            <a:off x="-2088517" y="1036118"/>
+            <a:ext cx="10364451" cy="1596177"/>
           </a:xfrm>
         </p:spPr>
         <p:txBody>
@@ -6621,105 +6622,18 @@
           <a:p>
             <a:r>
               <a:rPr lang="en-US" dirty="0"/>
-              <a:t> Read/write microservices split</a:t>
+              <a:t>Load Testing</a:t>
             </a:r>
             <a:endParaRPr lang="en-NL" dirty="0"/>
           </a:p>
         </p:txBody>
       </p:sp>
-      <p:sp>
-        <p:nvSpPr>
-          <p:cNvPr id="4" name="Content Placeholder 3">
+      <p:pic>
+        <p:nvPicPr>
+          <p:cNvPr id="8" name="Picture 7">
             <a:extLst>
               <a:ext uri="{FF2B5EF4-FFF2-40B4-BE49-F238E27FC236}">
-                <a16:creationId xmlns:a16="http://schemas.microsoft.com/office/drawing/2014/main" id="{39C63322-BFB8-8053-4861-8C6EE7C709F7}"/>
-              </a:ext>
-            </a:extLst>
-          </p:cNvPr>
-          <p:cNvSpPr>
-            <a:spLocks noGrp="1"/>
-          </p:cNvSpPr>
-          <p:nvPr>
-            <p:ph sz="quarter" idx="13"/>
-          </p:nvPr>
-        </p:nvSpPr>
-        <p:spPr/>
-        <p:txBody>
-          <a:bodyPr/>
-          <a:lstStyle/>
-          <a:p>
-            <a:r>
-              <a:rPr lang="en-US" dirty="0" err="1"/>
-              <a:t>Kweet</a:t>
-            </a:r>
-            <a:r>
-              <a:rPr lang="en-US" dirty="0"/>
-              <a:t> context</a:t>
-            </a:r>
-          </a:p>
-          <a:p>
-            <a:r>
-              <a:rPr lang="en-US" dirty="0" err="1"/>
-              <a:t>Gesplit</a:t>
-            </a:r>
-            <a:r>
-              <a:rPr lang="en-US" dirty="0"/>
-              <a:t> in read </a:t>
-            </a:r>
-            <a:r>
-              <a:rPr lang="en-US" dirty="0" err="1"/>
-              <a:t>en</a:t>
-            </a:r>
-            <a:r>
-              <a:rPr lang="en-US" dirty="0"/>
-              <a:t> write microservice</a:t>
-            </a:r>
-          </a:p>
-          <a:p>
-            <a:r>
-              <a:rPr lang="en-US" dirty="0" err="1"/>
-              <a:t>Verbonden</a:t>
-            </a:r>
-            <a:r>
-              <a:rPr lang="en-US" dirty="0"/>
-              <a:t> met </a:t>
-            </a:r>
-            <a:r>
-              <a:rPr lang="en-US" dirty="0" err="1"/>
-              <a:t>elkaar</a:t>
-            </a:r>
-            <a:r>
-              <a:rPr lang="en-US" dirty="0"/>
-              <a:t> via event bus (</a:t>
-            </a:r>
-            <a:r>
-              <a:rPr lang="en-US" dirty="0" err="1"/>
-              <a:t>rabbitmq</a:t>
-            </a:r>
-            <a:r>
-              <a:rPr lang="en-US" dirty="0"/>
-              <a:t>)</a:t>
-            </a:r>
-          </a:p>
-          <a:p>
-            <a:r>
-              <a:rPr lang="en-US" dirty="0"/>
-              <a:t>Rollback </a:t>
-            </a:r>
-            <a:r>
-              <a:rPr lang="en-US" dirty="0" err="1"/>
-              <a:t>functionaliteit</a:t>
-            </a:r>
-            <a:endParaRPr lang="en-US" dirty="0"/>
-          </a:p>
-        </p:txBody>
-      </p:sp>
-      <p:pic>
-        <p:nvPicPr>
-          <p:cNvPr id="5" name="Picture 4">
-            <a:extLst>
-              <a:ext uri="{FF2B5EF4-FFF2-40B4-BE49-F238E27FC236}">
-                <a16:creationId xmlns:a16="http://schemas.microsoft.com/office/drawing/2014/main" id="{A024CA42-6A0D-5B57-2F94-2FDDC869699D}"/>
+                <a16:creationId xmlns:a16="http://schemas.microsoft.com/office/drawing/2014/main" id="{7896F192-DB69-D729-A431-6C465E934CEA}"/>
               </a:ext>
             </a:extLst>
           </p:cNvPr>
@@ -6729,7 +6643,80 @@
           <p:nvPr/>
         </p:nvPicPr>
         <p:blipFill>
-          <a:blip r:embed="rId2">
+          <a:blip r:embed="rId2"/>
+          <a:stretch>
+            <a:fillRect/>
+          </a:stretch>
+        </p:blipFill>
+        <p:spPr>
+          <a:xfrm>
+            <a:off x="1607110" y="2387746"/>
+            <a:ext cx="2644369" cy="906859"/>
+          </a:xfrm>
+          <a:prstGeom prst="rect">
+            <a:avLst/>
+          </a:prstGeom>
+        </p:spPr>
+      </p:pic>
+      <p:pic>
+        <p:nvPicPr>
+          <p:cNvPr id="12" name="Picture 11" descr="A black screen with white text&#10;&#10;Description automatically generated with low confidence">
+            <a:extLst>
+              <a:ext uri="{FF2B5EF4-FFF2-40B4-BE49-F238E27FC236}">
+                <a16:creationId xmlns:a16="http://schemas.microsoft.com/office/drawing/2014/main" id="{C65DAA7E-F892-D466-D701-7FDAE47327FA}"/>
+              </a:ext>
+            </a:extLst>
+          </p:cNvPr>
+          <p:cNvPicPr>
+            <a:picLocks noChangeAspect="1"/>
+          </p:cNvPicPr>
+          <p:nvPr/>
+        </p:nvPicPr>
+        <p:blipFill>
+          <a:blip r:embed="rId3">
+            <a:extLst>
+              <a:ext uri="{28A0092B-C50C-407E-A947-70E740481C1C}">
+                <a14:useLocalDpi xmlns:a14="http://schemas.microsoft.com/office/drawing/2010/main" val="0"/>
+              </a:ext>
+            </a:extLst>
+          </a:blip>
+          <a:srcRect/>
+          <a:stretch>
+            <a:fillRect/>
+          </a:stretch>
+        </p:blipFill>
+        <p:spPr bwMode="auto">
+          <a:xfrm>
+            <a:off x="147814" y="3748035"/>
+            <a:ext cx="8869897" cy="1494791"/>
+          </a:xfrm>
+          <a:prstGeom prst="rect">
+            <a:avLst/>
+          </a:prstGeom>
+          <a:noFill/>
+          <a:ln>
+            <a:noFill/>
+          </a:ln>
+        </p:spPr>
+      </p:pic>
+      <p:pic>
+        <p:nvPicPr>
+          <p:cNvPr id="13" name="Content Placeholder 12">
+            <a:extLst>
+              <a:ext uri="{FF2B5EF4-FFF2-40B4-BE49-F238E27FC236}">
+                <a16:creationId xmlns:a16="http://schemas.microsoft.com/office/drawing/2014/main" id="{3109C017-B8C5-C7C9-A331-B9C21A5A1408}"/>
+              </a:ext>
+            </a:extLst>
+          </p:cNvPr>
+          <p:cNvPicPr>
+            <a:picLocks noGrp="1" noChangeAspect="1"/>
+          </p:cNvPicPr>
+          <p:nvPr>
+            <p:ph sz="quarter" idx="13"/>
+          </p:nvPr>
+        </p:nvPicPr>
+        <p:blipFill>
+          <a:blip r:embed="rId4" cstate="print">
             <a:extLst>
               <a:ext uri="{28A0092B-C50C-407E-A947-70E740481C1C}">
                 <a14:useLocalDpi xmlns:a14="http://schemas.microsoft.com/office/drawing/2010/main" val="0"/>
@@ -6742,8 +6729,44 @@
         </p:blipFill>
         <p:spPr>
           <a:xfrm>
-            <a:off x="7911741" y="2007777"/>
-            <a:ext cx="3152775" cy="3629025"/>
+            <a:off x="147814" y="5293932"/>
+            <a:ext cx="11896372" cy="1415432"/>
+          </a:xfrm>
+          <a:prstGeom prst="rect">
+            <a:avLst/>
+          </a:prstGeom>
+        </p:spPr>
+      </p:pic>
+      <p:pic>
+        <p:nvPicPr>
+          <p:cNvPr id="14" name="Picture 13" descr="A screenshot of a computer&#10;&#10;Description automatically generated">
+            <a:extLst>
+              <a:ext uri="{FF2B5EF4-FFF2-40B4-BE49-F238E27FC236}">
+                <a16:creationId xmlns:a16="http://schemas.microsoft.com/office/drawing/2014/main" id="{83524056-E8B3-A949-D1BB-361D62A94466}"/>
+              </a:ext>
+            </a:extLst>
+          </p:cNvPr>
+          <p:cNvPicPr>
+            <a:picLocks noChangeAspect="1"/>
+          </p:cNvPicPr>
+          <p:nvPr/>
+        </p:nvPicPr>
+        <p:blipFill>
+          <a:blip r:embed="rId5">
+            <a:extLst>
+              <a:ext uri="{28A0092B-C50C-407E-A947-70E740481C1C}">
+                <a14:useLocalDpi xmlns:a14="http://schemas.microsoft.com/office/drawing/2010/main" val="0"/>
+              </a:ext>
+            </a:extLst>
+          </a:blip>
+          <a:stretch>
+            <a:fillRect/>
+          </a:stretch>
+        </p:blipFill>
+        <p:spPr>
+          <a:xfrm>
+            <a:off x="6219190" y="0"/>
+            <a:ext cx="5972810" cy="3748035"/>
           </a:xfrm>
           <a:prstGeom prst="rect">
             <a:avLst/>
@@ -6753,7 +6776,7 @@
     </p:spTree>
     <p:extLst>
       <p:ext uri="{BB962C8B-B14F-4D97-AF65-F5344CB8AC3E}">
-        <p14:creationId xmlns:p14="http://schemas.microsoft.com/office/powerpoint/2010/main" val="2271411371"/>
+        <p14:creationId xmlns:p14="http://schemas.microsoft.com/office/powerpoint/2010/main" val="799774504"/>
       </p:ext>
     </p:extLst>
   </p:cSld>
@@ -6785,7 +6808,7 @@
           <p:cNvPr id="2" name="Title 1">
             <a:extLst>
               <a:ext uri="{FF2B5EF4-FFF2-40B4-BE49-F238E27FC236}">
-                <a16:creationId xmlns:a16="http://schemas.microsoft.com/office/drawing/2014/main" id="{D50E6F44-AF7E-52D3-C258-E58B7EBC75B9}"/>
+                <a16:creationId xmlns:a16="http://schemas.microsoft.com/office/drawing/2014/main" id="{2BB2FE88-E9CF-D3B8-9F2B-A24F4A8FD9EB}"/>
               </a:ext>
             </a:extLst>
           </p:cNvPr>
@@ -6798,8 +6821,8 @@
         </p:nvSpPr>
         <p:spPr>
           <a:xfrm>
-            <a:off x="913775" y="618518"/>
-            <a:ext cx="10364451" cy="1225430"/>
+            <a:off x="-2088517" y="1036118"/>
+            <a:ext cx="10364451" cy="1596177"/>
           </a:xfrm>
         </p:spPr>
         <p:txBody>
@@ -6808,7 +6831,7 @@
           <a:p>
             <a:r>
               <a:rPr lang="en-US" dirty="0"/>
-              <a:t> Read/write microservices split</a:t>
+              <a:t>GDPR Delete</a:t>
             </a:r>
             <a:endParaRPr lang="en-NL" dirty="0"/>
           </a:p>
@@ -6816,10 +6839,10 @@
       </p:sp>
       <p:pic>
         <p:nvPicPr>
-          <p:cNvPr id="8" name="Picture 7">
+          <p:cNvPr id="6" name="Picture 5">
             <a:extLst>
               <a:ext uri="{FF2B5EF4-FFF2-40B4-BE49-F238E27FC236}">
-                <a16:creationId xmlns:a16="http://schemas.microsoft.com/office/drawing/2014/main" id="{3BD43ED6-B1E5-369C-3407-6B8F7383E6E5}"/>
+                <a16:creationId xmlns:a16="http://schemas.microsoft.com/office/drawing/2014/main" id="{2F541686-BCD0-F96F-E62E-B9AE23983B2A}"/>
               </a:ext>
             </a:extLst>
           </p:cNvPr>
@@ -6836,8 +6859,8 @@
         </p:blipFill>
         <p:spPr>
           <a:xfrm>
-            <a:off x="60437" y="2957133"/>
-            <a:ext cx="6035563" cy="3795089"/>
+            <a:off x="1168453" y="4569835"/>
+            <a:ext cx="10466388" cy="1382777"/>
           </a:xfrm>
           <a:prstGeom prst="rect">
             <a:avLst/>
@@ -6846,10 +6869,10 @@
       </p:pic>
       <p:pic>
         <p:nvPicPr>
-          <p:cNvPr id="10" name="Picture 9">
+          <p:cNvPr id="9" name="Picture 8">
             <a:extLst>
               <a:ext uri="{FF2B5EF4-FFF2-40B4-BE49-F238E27FC236}">
-                <a16:creationId xmlns:a16="http://schemas.microsoft.com/office/drawing/2014/main" id="{81B6BA7D-411E-8223-00E6-3C4F1BA586E7}"/>
+                <a16:creationId xmlns:a16="http://schemas.microsoft.com/office/drawing/2014/main" id="{40BEEA8D-278D-092D-2F6E-C661843F78CE}"/>
               </a:ext>
             </a:extLst>
           </p:cNvPr>
@@ -6866,8 +6889,8 @@
         </p:blipFill>
         <p:spPr>
           <a:xfrm>
-            <a:off x="6156965" y="2804720"/>
-            <a:ext cx="5974598" cy="3947502"/>
+            <a:off x="5065832" y="110549"/>
+            <a:ext cx="6569009" cy="4115157"/>
           </a:xfrm>
           <a:prstGeom prst="rect">
             <a:avLst/>
@@ -6877,7 +6900,7 @@
     </p:spTree>
     <p:extLst>
       <p:ext uri="{BB962C8B-B14F-4D97-AF65-F5344CB8AC3E}">
-        <p14:creationId xmlns:p14="http://schemas.microsoft.com/office/powerpoint/2010/main" val="3764902439"/>
+        <p14:creationId xmlns:p14="http://schemas.microsoft.com/office/powerpoint/2010/main" val="818097228"/>
       </p:ext>
     </p:extLst>
   </p:cSld>
@@ -6888,6 +6911,130 @@
 </file>
 
 <file path=ppt/slides/slide12.xml><?xml version="1.0" encoding="utf-8"?>
+<p:sld xmlns:a="http://schemas.openxmlformats.org/drawingml/2006/main" xmlns:r="http://schemas.openxmlformats.org/officeDocument/2006/relationships" xmlns:p="http://schemas.openxmlformats.org/presentationml/2006/main">
+  <p:cSld>
+    <p:spTree>
+      <p:nvGrpSpPr>
+        <p:cNvPr id="1" name=""/>
+        <p:cNvGrpSpPr/>
+        <p:nvPr/>
+      </p:nvGrpSpPr>
+      <p:grpSpPr>
+        <a:xfrm>
+          <a:off x="0" y="0"/>
+          <a:ext cx="0" cy="0"/>
+          <a:chOff x="0" y="0"/>
+          <a:chExt cx="0" cy="0"/>
+        </a:xfrm>
+      </p:grpSpPr>
+      <p:sp>
+        <p:nvSpPr>
+          <p:cNvPr id="2" name="Title 1">
+            <a:extLst>
+              <a:ext uri="{FF2B5EF4-FFF2-40B4-BE49-F238E27FC236}">
+                <a16:creationId xmlns:a16="http://schemas.microsoft.com/office/drawing/2014/main" id="{2BB2FE88-E9CF-D3B8-9F2B-A24F4A8FD9EB}"/>
+              </a:ext>
+            </a:extLst>
+          </p:cNvPr>
+          <p:cNvSpPr>
+            <a:spLocks noGrp="1"/>
+          </p:cNvSpPr>
+          <p:nvPr>
+            <p:ph type="title"/>
+          </p:nvPr>
+        </p:nvSpPr>
+        <p:spPr>
+          <a:xfrm>
+            <a:off x="-2088517" y="1036118"/>
+            <a:ext cx="10364451" cy="1596177"/>
+          </a:xfrm>
+        </p:spPr>
+        <p:txBody>
+          <a:bodyPr/>
+          <a:lstStyle/>
+          <a:p>
+            <a:r>
+              <a:rPr lang="en-US" dirty="0"/>
+              <a:t>Function as a service</a:t>
+            </a:r>
+            <a:endParaRPr lang="en-NL" dirty="0"/>
+          </a:p>
+        </p:txBody>
+      </p:sp>
+      <p:pic>
+        <p:nvPicPr>
+          <p:cNvPr id="4" name="Picture 3">
+            <a:extLst>
+              <a:ext uri="{FF2B5EF4-FFF2-40B4-BE49-F238E27FC236}">
+                <a16:creationId xmlns:a16="http://schemas.microsoft.com/office/drawing/2014/main" id="{BF1776F2-01F7-F60E-6C1A-D1E9B45BD979}"/>
+              </a:ext>
+            </a:extLst>
+          </p:cNvPr>
+          <p:cNvPicPr>
+            <a:picLocks noChangeAspect="1"/>
+          </p:cNvPicPr>
+          <p:nvPr/>
+        </p:nvPicPr>
+        <p:blipFill>
+          <a:blip r:embed="rId2"/>
+          <a:stretch>
+            <a:fillRect/>
+          </a:stretch>
+        </p:blipFill>
+        <p:spPr>
+          <a:xfrm>
+            <a:off x="5847868" y="393292"/>
+            <a:ext cx="5882018" cy="3318872"/>
+          </a:xfrm>
+          <a:prstGeom prst="rect">
+            <a:avLst/>
+          </a:prstGeom>
+        </p:spPr>
+      </p:pic>
+      <p:pic>
+        <p:nvPicPr>
+          <p:cNvPr id="7" name="Picture 6">
+            <a:extLst>
+              <a:ext uri="{FF2B5EF4-FFF2-40B4-BE49-F238E27FC236}">
+                <a16:creationId xmlns:a16="http://schemas.microsoft.com/office/drawing/2014/main" id="{B81FED6D-D795-1C33-E123-74DC9797180C}"/>
+              </a:ext>
+            </a:extLst>
+          </p:cNvPr>
+          <p:cNvPicPr>
+            <a:picLocks noChangeAspect="1"/>
+          </p:cNvPicPr>
+          <p:nvPr/>
+        </p:nvPicPr>
+        <p:blipFill>
+          <a:blip r:embed="rId3"/>
+          <a:stretch>
+            <a:fillRect/>
+          </a:stretch>
+        </p:blipFill>
+        <p:spPr>
+          <a:xfrm>
+            <a:off x="196643" y="2989827"/>
+            <a:ext cx="3947502" cy="3749365"/>
+          </a:xfrm>
+          <a:prstGeom prst="rect">
+            <a:avLst/>
+          </a:prstGeom>
+        </p:spPr>
+      </p:pic>
+    </p:spTree>
+    <p:extLst>
+      <p:ext uri="{BB962C8B-B14F-4D97-AF65-F5344CB8AC3E}">
+        <p14:creationId xmlns:p14="http://schemas.microsoft.com/office/powerpoint/2010/main" val="3708563566"/>
+      </p:ext>
+    </p:extLst>
+  </p:cSld>
+  <p:clrMapOvr>
+    <a:masterClrMapping/>
+  </p:clrMapOvr>
+</p:sld>
+</file>
+
+<file path=ppt/slides/slide13.xml><?xml version="1.0" encoding="utf-8"?>
 <p:sld xmlns:a="http://schemas.openxmlformats.org/drawingml/2006/main" xmlns:r="http://schemas.openxmlformats.org/officeDocument/2006/relationships" xmlns:p="http://schemas.openxmlformats.org/presentationml/2006/main">
   <p:cSld>
     <p:spTree>
@@ -7286,7 +7433,7 @@
           <a:p>
             <a:r>
               <a:rPr lang="en-US" dirty="0"/>
-              <a:t>Kubernetes in locale </a:t>
+              <a:t>Kubernetes in online </a:t>
             </a:r>
             <a:r>
               <a:rPr lang="en-US" dirty="0" err="1"/>
@@ -7297,25 +7444,39 @@
           <a:p>
             <a:r>
               <a:rPr lang="en-US" dirty="0"/>
-              <a:t>Kubernetes in online </a:t>
+              <a:t>Read/write databases split</a:t>
+            </a:r>
+          </a:p>
+          <a:p>
+            <a:r>
+              <a:rPr lang="en-US" dirty="0"/>
+              <a:t>load </a:t>
             </a:r>
             <a:r>
               <a:rPr lang="en-US" dirty="0" err="1"/>
-              <a:t>omgeving</a:t>
+              <a:t>TEsting</a:t>
             </a:r>
             <a:endParaRPr lang="en-US" dirty="0"/>
           </a:p>
           <a:p>
             <a:r>
               <a:rPr lang="en-US" dirty="0"/>
-              <a:t>CI/CD</a:t>
-            </a:r>
+              <a:t>GDPR </a:t>
+            </a:r>
+            <a:r>
+              <a:rPr lang="en-US" dirty="0" err="1"/>
+              <a:t>Functionaliteit</a:t>
+            </a:r>
+            <a:endParaRPr lang="en-US" dirty="0"/>
           </a:p>
           <a:p>
             <a:r>
               <a:rPr lang="en-US" dirty="0"/>
-              <a:t>Read/write databases split</a:t>
-            </a:r>
+              <a:t>Function as a service</a:t>
+            </a:r>
+          </a:p>
+          <a:p>
+            <a:endParaRPr lang="en-US" dirty="0"/>
           </a:p>
           <a:p>
             <a:endParaRPr lang="en-US" dirty="0"/>
@@ -7681,23 +7842,14 @@
             <p:ph type="title"/>
           </p:nvPr>
         </p:nvSpPr>
-        <p:spPr>
-          <a:xfrm>
-            <a:off x="-580728" y="382543"/>
-            <a:ext cx="10364451" cy="1596177"/>
-          </a:xfrm>
-        </p:spPr>
+        <p:spPr/>
         <p:txBody>
           <a:bodyPr/>
           <a:lstStyle/>
           <a:p>
             <a:r>
-              <a:rPr lang="en-US" dirty="0" err="1"/>
-              <a:t>Lokale</a:t>
-            </a:r>
-            <a:r>
               <a:rPr lang="en-US" dirty="0"/>
-              <a:t> Kubernetes deployment</a:t>
+              <a:t>Online Kubernetes cluster</a:t>
             </a:r>
             <a:endParaRPr lang="en-NL" dirty="0"/>
           </a:p>
@@ -7722,7 +7874,7 @@
         <p:spPr>
           <a:xfrm>
             <a:off x="914400" y="2445750"/>
-            <a:ext cx="4699819" cy="3424107"/>
+            <a:ext cx="10363826" cy="3424107"/>
           </a:xfrm>
         </p:spPr>
         <p:txBody>
@@ -7730,139 +7882,23 @@
           <a:lstStyle/>
           <a:p>
             <a:r>
-              <a:rPr lang="en-US" dirty="0" err="1"/>
-              <a:t>Applicatie</a:t>
-            </a:r>
-            <a:r>
               <a:rPr lang="en-US" dirty="0"/>
-              <a:t> </a:t>
-            </a:r>
-            <a:r>
-              <a:rPr lang="en-US" dirty="0" err="1"/>
-              <a:t>werkend</a:t>
-            </a:r>
+              <a:t>AKS</a:t>
+            </a:r>
+          </a:p>
+          <a:p>
             <a:r>
               <a:rPr lang="en-US" dirty="0"/>
-              <a:t> in </a:t>
-            </a:r>
-            <a:r>
-              <a:rPr lang="en-US" dirty="0" err="1"/>
-              <a:t>lokaal</a:t>
-            </a:r>
-            <a:r>
-              <a:rPr lang="en-US" dirty="0"/>
-              <a:t> cluster</a:t>
-            </a:r>
-          </a:p>
-          <a:p>
-            <a:pPr lvl="1"/>
-            <a:r>
-              <a:rPr lang="en-US" dirty="0"/>
-              <a:t>Event bus</a:t>
-            </a:r>
-          </a:p>
-          <a:p>
-            <a:pPr lvl="1"/>
-            <a:r>
-              <a:rPr lang="en-US" dirty="0"/>
-              <a:t>Read/write database split</a:t>
-            </a:r>
-          </a:p>
-          <a:p>
-            <a:r>
-              <a:rPr lang="en-US" dirty="0" err="1"/>
-              <a:t>Api</a:t>
-            </a:r>
-            <a:r>
-              <a:rPr lang="en-US" dirty="0"/>
-              <a:t> gateway</a:t>
-            </a:r>
-          </a:p>
-          <a:p>
-            <a:r>
-              <a:rPr lang="en-US" dirty="0"/>
-              <a:t>Start Monitoring met Prometheus </a:t>
-            </a:r>
-            <a:r>
-              <a:rPr lang="en-US" dirty="0" err="1"/>
-              <a:t>en</a:t>
-            </a:r>
-            <a:r>
-              <a:rPr lang="en-US" dirty="0"/>
-              <a:t> </a:t>
-            </a:r>
-            <a:r>
-              <a:rPr lang="en-US" dirty="0" err="1"/>
-              <a:t>grafana</a:t>
+              <a:t>Video bewijs met werkende online cluster</a:t>
             </a:r>
             <a:endParaRPr lang="en-NL" dirty="0"/>
           </a:p>
         </p:txBody>
       </p:sp>
-      <p:pic>
-        <p:nvPicPr>
-          <p:cNvPr id="4" name="Picture 3">
-            <a:extLst>
-              <a:ext uri="{FF2B5EF4-FFF2-40B4-BE49-F238E27FC236}">
-                <a16:creationId xmlns:a16="http://schemas.microsoft.com/office/drawing/2014/main" id="{25E08564-3E8F-7D06-728E-055CA48CBB74}"/>
-              </a:ext>
-            </a:extLst>
-          </p:cNvPr>
-          <p:cNvPicPr>
-            <a:picLocks noChangeAspect="1"/>
-          </p:cNvPicPr>
-          <p:nvPr/>
-        </p:nvPicPr>
-        <p:blipFill>
-          <a:blip r:embed="rId2"/>
-          <a:stretch>
-            <a:fillRect/>
-          </a:stretch>
-        </p:blipFill>
-        <p:spPr>
-          <a:xfrm>
-            <a:off x="7951660" y="470377"/>
-            <a:ext cx="4115157" cy="6005080"/>
-          </a:xfrm>
-          <a:prstGeom prst="rect">
-            <a:avLst/>
-          </a:prstGeom>
-        </p:spPr>
-      </p:pic>
-      <p:pic>
-        <p:nvPicPr>
-          <p:cNvPr id="6" name="Picture 5">
-            <a:extLst>
-              <a:ext uri="{FF2B5EF4-FFF2-40B4-BE49-F238E27FC236}">
-                <a16:creationId xmlns:a16="http://schemas.microsoft.com/office/drawing/2014/main" id="{713581F6-AD0E-6C4D-7713-B2702BD2C6FF}"/>
-              </a:ext>
-            </a:extLst>
-          </p:cNvPr>
-          <p:cNvPicPr>
-            <a:picLocks noChangeAspect="1"/>
-          </p:cNvPicPr>
-          <p:nvPr/>
-        </p:nvPicPr>
-        <p:blipFill>
-          <a:blip r:embed="rId3"/>
-          <a:stretch>
-            <a:fillRect/>
-          </a:stretch>
-        </p:blipFill>
-        <p:spPr>
-          <a:xfrm>
-            <a:off x="6096000" y="1549919"/>
-            <a:ext cx="1699407" cy="297206"/>
-          </a:xfrm>
-          <a:prstGeom prst="rect">
-            <a:avLst/>
-          </a:prstGeom>
-        </p:spPr>
-      </p:pic>
     </p:spTree>
     <p:extLst>
       <p:ext uri="{BB962C8B-B14F-4D97-AF65-F5344CB8AC3E}">
-        <p14:creationId xmlns:p14="http://schemas.microsoft.com/office/powerpoint/2010/main" val="3656425444"/>
+        <p14:creationId xmlns:p14="http://schemas.microsoft.com/office/powerpoint/2010/main" val="2760237393"/>
       </p:ext>
     </p:extLst>
   </p:cSld>
@@ -7920,10 +7956,10 @@
       </p:sp>
       <p:sp>
         <p:nvSpPr>
-          <p:cNvPr id="7" name="Content Placeholder 6">
+          <p:cNvPr id="4" name="Content Placeholder 3">
             <a:extLst>
               <a:ext uri="{FF2B5EF4-FFF2-40B4-BE49-F238E27FC236}">
-                <a16:creationId xmlns:a16="http://schemas.microsoft.com/office/drawing/2014/main" id="{1F88BDFF-173B-684A-E3E0-5EC1F2EAAB71}"/>
+                <a16:creationId xmlns:a16="http://schemas.microsoft.com/office/drawing/2014/main" id="{39C63322-BFB8-8053-4861-8C6EE7C709F7}"/>
               </a:ext>
             </a:extLst>
           </p:cNvPr>
@@ -7934,34 +7970,55 @@
             <p:ph sz="quarter" idx="13"/>
           </p:nvPr>
         </p:nvSpPr>
-        <p:spPr>
-          <a:xfrm>
-            <a:off x="914400" y="2445750"/>
-            <a:ext cx="10363826" cy="3424107"/>
-          </a:xfrm>
-        </p:spPr>
+        <p:spPr/>
         <p:txBody>
           <a:bodyPr/>
           <a:lstStyle/>
           <a:p>
-            <a:r>
-              <a:rPr lang="en-US" dirty="0"/>
-              <a:t>AKS</a:t>
-            </a:r>
-          </a:p>
-          <a:p>
-            <a:r>
-              <a:rPr lang="en-US" dirty="0"/>
-              <a:t>Video bewijs met werkende online cluster</a:t>
-            </a:r>
-            <a:endParaRPr lang="en-NL" dirty="0"/>
-          </a:p>
-        </p:txBody>
-      </p:sp>
+            <a:endParaRPr lang="en-NL"/>
+          </a:p>
+        </p:txBody>
+      </p:sp>
+      <p:pic>
+        <p:nvPicPr>
+          <p:cNvPr id="5" name="Picture 4" descr="A screenshot of a computer&#10;&#10;Description automatically generated with medium confidence">
+            <a:extLst>
+              <a:ext uri="{FF2B5EF4-FFF2-40B4-BE49-F238E27FC236}">
+                <a16:creationId xmlns:a16="http://schemas.microsoft.com/office/drawing/2014/main" id="{DAEF2827-E647-E793-E3A8-2DFD36BCED77}"/>
+              </a:ext>
+            </a:extLst>
+          </p:cNvPr>
+          <p:cNvPicPr>
+            <a:picLocks noChangeAspect="1"/>
+          </p:cNvPicPr>
+          <p:nvPr/>
+        </p:nvPicPr>
+        <p:blipFill>
+          <a:blip r:embed="rId2">
+            <a:extLst>
+              <a:ext uri="{28A0092B-C50C-407E-A947-70E740481C1C}">
+                <a14:useLocalDpi xmlns:a14="http://schemas.microsoft.com/office/drawing/2010/main" val="0"/>
+              </a:ext>
+            </a:extLst>
+          </a:blip>
+          <a:stretch>
+            <a:fillRect/>
+          </a:stretch>
+        </p:blipFill>
+        <p:spPr>
+          <a:xfrm>
+            <a:off x="913774" y="1863612"/>
+            <a:ext cx="10213462" cy="4763330"/>
+          </a:xfrm>
+          <a:prstGeom prst="rect">
+            <a:avLst/>
+          </a:prstGeom>
+        </p:spPr>
+      </p:pic>
     </p:spTree>
     <p:extLst>
       <p:ext uri="{BB962C8B-B14F-4D97-AF65-F5344CB8AC3E}">
-        <p14:creationId xmlns:p14="http://schemas.microsoft.com/office/powerpoint/2010/main" val="2760237393"/>
+        <p14:creationId xmlns:p14="http://schemas.microsoft.com/office/powerpoint/2010/main" val="3449371059"/>
       </p:ext>
     </p:extLst>
   </p:cSld>
@@ -8004,14 +8061,19 @@
             <p:ph type="title"/>
           </p:nvPr>
         </p:nvSpPr>
-        <p:spPr/>
+        <p:spPr>
+          <a:xfrm>
+            <a:off x="913775" y="618518"/>
+            <a:ext cx="10364451" cy="1225430"/>
+          </a:xfrm>
+        </p:spPr>
         <p:txBody>
           <a:bodyPr/>
           <a:lstStyle/>
           <a:p>
             <a:r>
               <a:rPr lang="en-US" dirty="0"/>
-              <a:t>Online Kubernetes cluster</a:t>
+              <a:t> Read/write microservices split</a:t>
             </a:r>
             <a:endParaRPr lang="en-NL" dirty="0"/>
           </a:p>
@@ -8038,16 +8100,78 @@
           <a:bodyPr/>
           <a:lstStyle/>
           <a:p>
-            <a:endParaRPr lang="en-NL"/>
+            <a:r>
+              <a:rPr lang="en-US" dirty="0" err="1"/>
+              <a:t>Kweet</a:t>
+            </a:r>
+            <a:r>
+              <a:rPr lang="en-US" dirty="0"/>
+              <a:t> context</a:t>
+            </a:r>
+          </a:p>
+          <a:p>
+            <a:r>
+              <a:rPr lang="en-US" dirty="0" err="1"/>
+              <a:t>Gesplit</a:t>
+            </a:r>
+            <a:r>
+              <a:rPr lang="en-US" dirty="0"/>
+              <a:t> in read </a:t>
+            </a:r>
+            <a:r>
+              <a:rPr lang="en-US" dirty="0" err="1"/>
+              <a:t>en</a:t>
+            </a:r>
+            <a:r>
+              <a:rPr lang="en-US" dirty="0"/>
+              <a:t> write microservice</a:t>
+            </a:r>
+          </a:p>
+          <a:p>
+            <a:r>
+              <a:rPr lang="en-US" dirty="0" err="1"/>
+              <a:t>Verbonden</a:t>
+            </a:r>
+            <a:r>
+              <a:rPr lang="en-US" dirty="0"/>
+              <a:t> met </a:t>
+            </a:r>
+            <a:r>
+              <a:rPr lang="en-US" dirty="0" err="1"/>
+              <a:t>elkaar</a:t>
+            </a:r>
+            <a:r>
+              <a:rPr lang="en-US" dirty="0"/>
+              <a:t> via event bus (</a:t>
+            </a:r>
+            <a:r>
+              <a:rPr lang="en-US" dirty="0" err="1"/>
+              <a:t>rabbitmq</a:t>
+            </a:r>
+            <a:r>
+              <a:rPr lang="en-US" dirty="0"/>
+              <a:t>)</a:t>
+            </a:r>
+          </a:p>
+          <a:p>
+            <a:r>
+              <a:rPr lang="en-US" dirty="0"/>
+              <a:t>Rollback </a:t>
+            </a:r>
+            <a:r>
+              <a:rPr lang="en-US" dirty="0" err="1"/>
+              <a:t>functionaliteit</a:t>
+            </a:r>
+            <a:endParaRPr lang="en-US" dirty="0"/>
           </a:p>
         </p:txBody>
       </p:sp>
       <p:pic>
         <p:nvPicPr>
-          <p:cNvPr id="5" name="Picture 4" descr="A screenshot of a computer&#10;&#10;Description automatically generated with medium confidence">
+          <p:cNvPr id="5" name="Picture 4">
             <a:extLst>
               <a:ext uri="{FF2B5EF4-FFF2-40B4-BE49-F238E27FC236}">
-                <a16:creationId xmlns:a16="http://schemas.microsoft.com/office/drawing/2014/main" id="{DAEF2827-E647-E793-E3A8-2DFD36BCED77}"/>
+                <a16:creationId xmlns:a16="http://schemas.microsoft.com/office/drawing/2014/main" id="{A024CA42-6A0D-5B57-2F94-2FDDC869699D}"/>
               </a:ext>
             </a:extLst>
           </p:cNvPr>
@@ -8070,8 +8194,8 @@
         </p:blipFill>
         <p:spPr>
           <a:xfrm>
-            <a:off x="913774" y="1863612"/>
-            <a:ext cx="10213462" cy="4763330"/>
+            <a:off x="7911741" y="2007777"/>
+            <a:ext cx="3152775" cy="3629025"/>
           </a:xfrm>
           <a:prstGeom prst="rect">
             <a:avLst/>
@@ -8081,7 +8205,7 @@
     </p:spTree>
     <p:extLst>
       <p:ext uri="{BB962C8B-B14F-4D97-AF65-F5344CB8AC3E}">
-        <p14:creationId xmlns:p14="http://schemas.microsoft.com/office/powerpoint/2010/main" val="3449371059"/>
+        <p14:creationId xmlns:p14="http://schemas.microsoft.com/office/powerpoint/2010/main" val="2271411371"/>
       </p:ext>
     </p:extLst>
   </p:cSld>
@@ -8136,83 +8260,76 @@
           <a:p>
             <a:r>
               <a:rPr lang="en-US" dirty="0"/>
-              <a:t> CI/CD</a:t>
+              <a:t> Read/write microservices split</a:t>
             </a:r>
             <a:endParaRPr lang="en-NL" dirty="0"/>
           </a:p>
         </p:txBody>
       </p:sp>
-      <p:sp>
-        <p:nvSpPr>
-          <p:cNvPr id="4" name="Content Placeholder 3">
+      <p:pic>
+        <p:nvPicPr>
+          <p:cNvPr id="8" name="Picture 7">
             <a:extLst>
               <a:ext uri="{FF2B5EF4-FFF2-40B4-BE49-F238E27FC236}">
-                <a16:creationId xmlns:a16="http://schemas.microsoft.com/office/drawing/2014/main" id="{39C63322-BFB8-8053-4861-8C6EE7C709F7}"/>
+                <a16:creationId xmlns:a16="http://schemas.microsoft.com/office/drawing/2014/main" id="{3BD43ED6-B1E5-369C-3407-6B8F7383E6E5}"/>
               </a:ext>
             </a:extLst>
           </p:cNvPr>
-          <p:cNvSpPr>
-            <a:spLocks noGrp="1"/>
-          </p:cNvSpPr>
-          <p:nvPr>
-            <p:ph sz="quarter" idx="13"/>
-          </p:nvPr>
-        </p:nvSpPr>
-        <p:spPr/>
-        <p:txBody>
-          <a:bodyPr/>
-          <a:lstStyle/>
-          <a:p>
-            <a:r>
-              <a:rPr lang="en-US" dirty="0" err="1"/>
-              <a:t>Github</a:t>
-            </a:r>
-            <a:r>
-              <a:rPr lang="en-US" dirty="0"/>
-              <a:t> actions workflow</a:t>
-            </a:r>
-          </a:p>
-          <a:p>
-            <a:r>
-              <a:rPr lang="en-US" dirty="0"/>
-              <a:t>Stages:</a:t>
-            </a:r>
-          </a:p>
-          <a:p>
-            <a:pPr lvl="1"/>
-            <a:r>
-              <a:rPr lang="en-US" dirty="0"/>
-              <a:t>Build</a:t>
-            </a:r>
-          </a:p>
-          <a:p>
-            <a:pPr lvl="1"/>
-            <a:r>
-              <a:rPr lang="en-US" dirty="0"/>
-              <a:t>Test</a:t>
-            </a:r>
-          </a:p>
-          <a:p>
-            <a:pPr lvl="1"/>
-            <a:r>
-              <a:rPr lang="en-US" dirty="0" err="1"/>
-              <a:t>Sonarcloud</a:t>
-            </a:r>
-            <a:endParaRPr lang="en-US" dirty="0"/>
-          </a:p>
-          <a:p>
-            <a:pPr lvl="1"/>
-            <a:r>
-              <a:rPr lang="en-US" dirty="0"/>
-              <a:t>Docker</a:t>
-            </a:r>
-          </a:p>
-        </p:txBody>
-      </p:sp>
+          <p:cNvPicPr>
+            <a:picLocks noChangeAspect="1"/>
+          </p:cNvPicPr>
+          <p:nvPr/>
+        </p:nvPicPr>
+        <p:blipFill>
+          <a:blip r:embed="rId2"/>
+          <a:stretch>
+            <a:fillRect/>
+          </a:stretch>
+        </p:blipFill>
+        <p:spPr>
+          <a:xfrm>
+            <a:off x="60437" y="2957133"/>
+            <a:ext cx="6035563" cy="3795089"/>
+          </a:xfrm>
+          <a:prstGeom prst="rect">
+            <a:avLst/>
+          </a:prstGeom>
+        </p:spPr>
+      </p:pic>
+      <p:pic>
+        <p:nvPicPr>
+          <p:cNvPr id="10" name="Picture 9">
+            <a:extLst>
+              <a:ext uri="{FF2B5EF4-FFF2-40B4-BE49-F238E27FC236}">
+                <a16:creationId xmlns:a16="http://schemas.microsoft.com/office/drawing/2014/main" id="{81B6BA7D-411E-8223-00E6-3C4F1BA586E7}"/>
+              </a:ext>
+            </a:extLst>
+          </p:cNvPr>
+          <p:cNvPicPr>
+            <a:picLocks noChangeAspect="1"/>
+          </p:cNvPicPr>
+          <p:nvPr/>
+        </p:nvPicPr>
+        <p:blipFill>
+          <a:blip r:embed="rId3"/>
+          <a:stretch>
+            <a:fillRect/>
+          </a:stretch>
+        </p:blipFill>
+        <p:spPr>
+          <a:xfrm>
+            <a:off x="6156965" y="2804720"/>
+            <a:ext cx="5974598" cy="3947502"/>
+          </a:xfrm>
+          <a:prstGeom prst="rect">
+            <a:avLst/>
+          </a:prstGeom>
+        </p:spPr>
+      </p:pic>
     </p:spTree>
     <p:extLst>
       <p:ext uri="{BB962C8B-B14F-4D97-AF65-F5344CB8AC3E}">
-        <p14:creationId xmlns:p14="http://schemas.microsoft.com/office/powerpoint/2010/main" val="4163190850"/>
+        <p14:creationId xmlns:p14="http://schemas.microsoft.com/office/powerpoint/2010/main" val="3764902439"/>
       </p:ext>
     </p:extLst>
   </p:cSld>
